--- a/slides/classfour/slides.pptx
+++ b/slides/classfour/slides.pptx
@@ -225,7 +225,7 @@
           <a:p>
             <a:fld id="{9B5D41C8-0A92-DD47-AB00-F0EFFD66679B}" type="datetimeFigureOut">
               <a:rPr lang="en-US" smtClean="0"/>
-              <a:t>10/2/11</a:t>
+              <a:t>10/4/11</a:t>
             </a:fld>
             <a:endParaRPr lang="en-US"/>
           </a:p>
@@ -2017,7 +2017,7 @@
             <a:fld id="{B7C3F878-F5E8-489B-AC8A-64F2A7E22C28}" type="datetimeFigureOut">
               <a:rPr lang="en-US" smtClean="0"/>
               <a:pPr/>
-              <a:t>10/2/11</a:t>
+              <a:t>10/4/11</a:t>
             </a:fld>
             <a:endParaRPr lang="en-US"/>
           </a:p>
@@ -2224,7 +2224,7 @@
             <a:fld id="{B7C3F878-F5E8-489B-AC8A-64F2A7E22C28}" type="datetimeFigureOut">
               <a:rPr lang="en-US" smtClean="0"/>
               <a:pPr/>
-              <a:t>10/2/11</a:t>
+              <a:t>10/4/11</a:t>
             </a:fld>
             <a:endParaRPr lang="en-US"/>
           </a:p>
@@ -2431,7 +2431,7 @@
             <a:fld id="{B7C3F878-F5E8-489B-AC8A-64F2A7E22C28}" type="datetimeFigureOut">
               <a:rPr lang="en-US" smtClean="0"/>
               <a:pPr/>
-              <a:t>10/2/11</a:t>
+              <a:t>10/4/11</a:t>
             </a:fld>
             <a:endParaRPr lang="en-US"/>
           </a:p>
@@ -2624,7 +2624,7 @@
             <a:fld id="{B7C3F878-F5E8-489B-AC8A-64F2A7E22C28}" type="datetimeFigureOut">
               <a:rPr lang="en-US" smtClean="0"/>
               <a:pPr/>
-              <a:t>10/2/11</a:t>
+              <a:t>10/4/11</a:t>
             </a:fld>
             <a:endParaRPr lang="en-US"/>
           </a:p>
@@ -2865,7 +2865,7 @@
             <a:fld id="{B7C3F878-F5E8-489B-AC8A-64F2A7E22C28}" type="datetimeFigureOut">
               <a:rPr lang="en-US" smtClean="0"/>
               <a:pPr/>
-              <a:t>10/2/11</a:t>
+              <a:t>10/4/11</a:t>
             </a:fld>
             <a:endParaRPr lang="en-US"/>
           </a:p>
@@ -2980,7 +2980,7 @@
             <a:fld id="{B7C3F878-F5E8-489B-AC8A-64F2A7E22C28}" type="datetimeFigureOut">
               <a:rPr lang="en-US" smtClean="0"/>
               <a:pPr/>
-              <a:t>10/2/11</a:t>
+              <a:t>10/4/11</a:t>
             </a:fld>
             <a:endParaRPr lang="en-US"/>
           </a:p>
@@ -3412,7 +3412,7 @@
             <a:fld id="{B7C3F878-F5E8-489B-AC8A-64F2A7E22C28}" type="datetimeFigureOut">
               <a:rPr lang="en-US" smtClean="0"/>
               <a:pPr/>
-              <a:t>10/2/11</a:t>
+              <a:t>10/4/11</a:t>
             </a:fld>
             <a:endParaRPr lang="en-US"/>
           </a:p>
@@ -3693,7 +3693,7 @@
             <a:fld id="{B7C3F878-F5E8-489B-AC8A-64F2A7E22C28}" type="datetimeFigureOut">
               <a:rPr lang="en-US" smtClean="0"/>
               <a:pPr/>
-              <a:t>10/2/11</a:t>
+              <a:t>10/4/11</a:t>
             </a:fld>
             <a:endParaRPr lang="en-US"/>
           </a:p>
@@ -3785,7 +3785,7 @@
             <a:fld id="{B7C3F878-F5E8-489B-AC8A-64F2A7E22C28}" type="datetimeFigureOut">
               <a:rPr lang="en-US" smtClean="0"/>
               <a:pPr/>
-              <a:t>10/2/11</a:t>
+              <a:t>10/4/11</a:t>
             </a:fld>
             <a:endParaRPr lang="en-US"/>
           </a:p>
@@ -4624,7 +4624,7 @@
             <a:fld id="{B7C3F878-F5E8-489B-AC8A-64F2A7E22C28}" type="datetimeFigureOut">
               <a:rPr lang="en-US" smtClean="0"/>
               <a:pPr/>
-              <a:t>10/2/11</a:t>
+              <a:t>10/4/11</a:t>
             </a:fld>
             <a:endParaRPr lang="en-US"/>
           </a:p>
@@ -5457,7 +5457,7 @@
             <a:fld id="{B7C3F878-F5E8-489B-AC8A-64F2A7E22C28}" type="datetimeFigureOut">
               <a:rPr lang="en-US" smtClean="0"/>
               <a:pPr/>
-              <a:t>10/2/11</a:t>
+              <a:t>10/4/11</a:t>
             </a:fld>
             <a:endParaRPr lang="en-US"/>
           </a:p>
@@ -6113,7 +6113,7 @@
             <a:fld id="{B7C3F878-F5E8-489B-AC8A-64F2A7E22C28}" type="datetimeFigureOut">
               <a:rPr lang="en-US" smtClean="0"/>
               <a:pPr/>
-              <a:t>10/2/11</a:t>
+              <a:t>10/4/11</a:t>
             </a:fld>
             <a:endParaRPr lang="en-US" dirty="0"/>
           </a:p>
@@ -6964,16 +6964,11 @@
               <a:rPr lang="en-US" dirty="0" smtClean="0"/>
               <a:t>)</a:t>
             </a:r>
-            <a:endParaRPr lang="en-US" dirty="0" smtClean="0"/>
-          </a:p>
-          <a:p>
-            <a:r>
-              <a:rPr lang="en-US" dirty="0" smtClean="0"/>
-              <a:t>Can </a:t>
-            </a:r>
-            <a:r>
-              <a:rPr lang="en-US" dirty="0" smtClean="0"/>
-              <a:t>be hexadecimal: #</a:t>
+          </a:p>
+          <a:p>
+            <a:r>
+              <a:rPr lang="en-US" dirty="0" smtClean="0"/>
+              <a:t>Can be hexadecimal: #</a:t>
             </a:r>
             <a:r>
               <a:rPr lang="en-US" dirty="0" err="1" smtClean="0"/>
@@ -7012,14 +7007,7 @@
                 <a:latin typeface="Courier New"/>
                 <a:cs typeface="Courier New"/>
               </a:rPr>
-              <a:t>color</a:t>
-            </a:r>
-            <a:r>
-              <a:rPr lang="en-US" dirty="0" smtClean="0">
-                <a:latin typeface="Courier New"/>
-                <a:cs typeface="Courier New"/>
-              </a:rPr>
-              <a:t>: red;</a:t>
+              <a:t>color: red;</a:t>
             </a:r>
           </a:p>
         </p:txBody>
@@ -7198,17 +7186,34 @@
           <a:p>
             <a:r>
               <a:rPr lang="en-US" dirty="0" smtClean="0"/>
-              <a:t>background-position: %, 40px, (top, right, bottom, left)</a:t>
-            </a:r>
-          </a:p>
-          <a:p>
-            <a:r>
-              <a:rPr lang="en-US" dirty="0" smtClean="0"/>
-              <a:t>background: color, image, repeat, attachment, </a:t>
-            </a:r>
-            <a:r>
-              <a:rPr lang="en-US" dirty="0" smtClean="0"/>
-              <a:t>position</a:t>
+              <a:t>background-position</a:t>
+            </a:r>
+            <a:r>
+              <a:rPr lang="en-US" dirty="0" smtClean="0"/>
+              <a:t>: x, y as </a:t>
+            </a:r>
+            <a:r>
+              <a:rPr lang="en-US" dirty="0" smtClean="0"/>
+              <a:t>%</a:t>
+            </a:r>
+            <a:r>
+              <a:rPr lang="en-US" dirty="0" smtClean="0"/>
+              <a:t>, length, keyword (left center, right and top</a:t>
+            </a:r>
+            <a:r>
+              <a:rPr lang="en-US" dirty="0" smtClean="0"/>
+              <a:t>, </a:t>
+            </a:r>
+            <a:r>
+              <a:rPr lang="en-US" dirty="0" smtClean="0"/>
+              <a:t>center, bottom)</a:t>
+            </a:r>
+            <a:endParaRPr lang="en-US" dirty="0" smtClean="0"/>
+          </a:p>
+          <a:p>
+            <a:r>
+              <a:rPr lang="en-US" dirty="0" smtClean="0"/>
+              <a:t>background: color, image, repeat, attachment, position</a:t>
             </a:r>
           </a:p>
           <a:p>
@@ -7217,14 +7222,7 @@
                 <a:latin typeface="Courier New"/>
                 <a:cs typeface="Courier New"/>
               </a:rPr>
-              <a:t>background</a:t>
-            </a:r>
-            <a:r>
-              <a:rPr lang="en-US" dirty="0" smtClean="0">
-                <a:latin typeface="Courier New"/>
-                <a:cs typeface="Courier New"/>
-              </a:rPr>
-              <a:t>: red;</a:t>
+              <a:t>background: red;</a:t>
             </a:r>
             <a:endParaRPr lang="en-US" dirty="0">
               <a:latin typeface="Courier New"/>
@@ -7382,11 +7380,7 @@
           <a:p>
             <a:r>
               <a:rPr lang="en-US" dirty="0" smtClean="0"/>
-              <a:t>Can be normal, italic, </a:t>
-            </a:r>
-            <a:r>
-              <a:rPr lang="en-US" dirty="0" smtClean="0"/>
-              <a:t>oblique</a:t>
+              <a:t>Can be normal, italic, oblique</a:t>
             </a:r>
           </a:p>
           <a:p>
@@ -7395,14 +7389,7 @@
                 <a:latin typeface="Courier New"/>
                 <a:cs typeface="Courier New"/>
               </a:rPr>
-              <a:t>font</a:t>
-            </a:r>
-            <a:r>
-              <a:rPr lang="en-US" sz="2000" dirty="0" smtClean="0">
-                <a:latin typeface="Courier New"/>
-                <a:cs typeface="Courier New"/>
-              </a:rPr>
-              <a:t>-style: italic;</a:t>
+              <a:t>font-style: italic;</a:t>
             </a:r>
           </a:p>
         </p:txBody>
@@ -7543,14 +7530,7 @@
                 <a:latin typeface="Courier New"/>
                 <a:cs typeface="Courier New"/>
               </a:rPr>
-              <a:t>font</a:t>
-            </a:r>
-            <a:r>
-              <a:rPr lang="en-US" sz="2000" dirty="0" smtClean="0">
-                <a:latin typeface="Courier New"/>
-                <a:cs typeface="Courier New"/>
-              </a:rPr>
-              <a:t>-variant: small-caps;</a:t>
+              <a:t>font-variant: small-caps;</a:t>
             </a:r>
             <a:endParaRPr lang="en-US" sz="2000" dirty="0">
               <a:latin typeface="Courier New"/>
@@ -7748,11 +7728,7 @@
             </a:r>
             <a:r>
               <a:rPr lang="en-US" dirty="0" smtClean="0"/>
-              <a:t>, 800, </a:t>
-            </a:r>
-            <a:r>
-              <a:rPr lang="en-US" dirty="0" smtClean="0"/>
-              <a:t>900</a:t>
+              <a:t>, 800, 900</a:t>
             </a:r>
             <a:endParaRPr lang="en-US" dirty="0"/>
           </a:p>
@@ -7762,14 +7738,7 @@
                 <a:latin typeface="Courier New"/>
                 <a:cs typeface="Courier New"/>
               </a:rPr>
-              <a:t>font</a:t>
-            </a:r>
-            <a:r>
-              <a:rPr lang="en-US" sz="2000" dirty="0" smtClean="0">
-                <a:latin typeface="Courier New"/>
-                <a:cs typeface="Courier New"/>
-              </a:rPr>
-              <a:t>-weight: bold;</a:t>
+              <a:t>font-weight: bold;</a:t>
             </a:r>
             <a:endParaRPr lang="en-US" sz="2000" dirty="0">
               <a:latin typeface="Courier New"/>
@@ -7985,14 +7954,7 @@
                 <a:latin typeface="Courier New"/>
                 <a:cs typeface="Courier New"/>
               </a:rPr>
-              <a:t>font</a:t>
-            </a:r>
-            <a:r>
-              <a:rPr lang="en-US" sz="2000" dirty="0" smtClean="0">
-                <a:latin typeface="Courier New"/>
-                <a:cs typeface="Courier New"/>
-              </a:rPr>
-              <a:t>-size: 1em;</a:t>
+              <a:t>font-size: 1em;</a:t>
             </a:r>
             <a:endParaRPr lang="en-US" sz="2000" dirty="0">
               <a:latin typeface="Courier New"/>
@@ -8180,11 +8142,7 @@
           <a:p>
             <a:r>
               <a:rPr lang="en-US" dirty="0" smtClean="0"/>
-              <a:t>Browser chooses font from left to </a:t>
-            </a:r>
-            <a:r>
-              <a:rPr lang="en-US" dirty="0" smtClean="0"/>
-              <a:t>right</a:t>
+              <a:t>Browser chooses font from left to right</a:t>
             </a:r>
           </a:p>
           <a:p>
@@ -8193,14 +8151,7 @@
                 <a:latin typeface="Courier New"/>
                 <a:cs typeface="Courier New"/>
               </a:rPr>
-              <a:t>font</a:t>
-            </a:r>
-            <a:r>
-              <a:rPr lang="en-US" sz="2200" dirty="0" smtClean="0">
-                <a:latin typeface="Courier New"/>
-                <a:cs typeface="Courier New"/>
-              </a:rPr>
-              <a:t>-family: Gill, Helvetica, sans-serif;</a:t>
+              <a:t>font-family: Gill, Helvetica, sans-serif;</a:t>
             </a:r>
           </a:p>
         </p:txBody>
@@ -8362,11 +8313,15 @@
           <a:p>
             <a:r>
               <a:rPr lang="en-US" dirty="0" smtClean="0"/>
-              <a:t>Can be normal, number, length, </a:t>
-            </a:r>
-            <a:r>
-              <a:rPr lang="en-US" dirty="0" smtClean="0"/>
-              <a:t>percentage</a:t>
+              <a:t>Can </a:t>
+            </a:r>
+            <a:r>
+              <a:rPr lang="en-US" dirty="0" smtClean="0"/>
+              <a:t>be </a:t>
+            </a:r>
+            <a:r>
+              <a:rPr lang="en-US" dirty="0" smtClean="0"/>
+              <a:t>number, length, percentage</a:t>
             </a:r>
           </a:p>
           <a:p>
@@ -8375,14 +8330,7 @@
                 <a:latin typeface="Courier New"/>
                 <a:cs typeface="Courier New"/>
               </a:rPr>
-              <a:t>line</a:t>
-            </a:r>
-            <a:r>
-              <a:rPr lang="en-US" sz="2000" dirty="0" smtClean="0">
-                <a:latin typeface="Courier New"/>
-                <a:cs typeface="Courier New"/>
-              </a:rPr>
-              <a:t>-height: 1.5;</a:t>
+              <a:t>line-height: 1.5;</a:t>
             </a:r>
             <a:endParaRPr lang="en-US" sz="2000" dirty="0">
               <a:latin typeface="Courier New"/>
@@ -8543,11 +8491,7 @@
           <a:p>
             <a:r>
               <a:rPr lang="en-US" dirty="0" smtClean="0"/>
-              <a:t>Set in this order: style, variant, weight, size/line-height, </a:t>
-            </a:r>
-            <a:r>
-              <a:rPr lang="en-US" dirty="0" smtClean="0"/>
-              <a:t>family</a:t>
+              <a:t>Set in this order: style, variant, weight, size/line-height, family</a:t>
             </a:r>
           </a:p>
           <a:p>
@@ -8556,14 +8500,7 @@
                 <a:latin typeface="Courier New"/>
                 <a:cs typeface="Courier New"/>
               </a:rPr>
-              <a:t>font</a:t>
-            </a:r>
-            <a:r>
-              <a:rPr lang="en-US" sz="2200" dirty="0" smtClean="0">
-                <a:latin typeface="Courier New"/>
-                <a:cs typeface="Courier New"/>
-              </a:rPr>
-              <a:t>: normal normal normal 1em/1.5 Gill, Helvetica, sans-serif;</a:t>
+              <a:t>font: normal normal normal 1em/1.5 Gill, Helvetica, sans-serif;</a:t>
             </a:r>
           </a:p>
         </p:txBody>
@@ -8712,7 +8649,6 @@
               <a:rPr lang="en-US" dirty="0" smtClean="0"/>
               <a:t>Attendance</a:t>
             </a:r>
-            <a:endParaRPr lang="en-US" dirty="0" smtClean="0"/>
           </a:p>
           <a:p>
             <a:pPr>
@@ -8723,7 +8659,6 @@
               <a:rPr lang="en-US" dirty="0" smtClean="0"/>
               <a:t>Quiz</a:t>
             </a:r>
-            <a:endParaRPr lang="en-US" dirty="0" smtClean="0"/>
           </a:p>
           <a:p>
             <a:pPr>
@@ -8931,17 +8866,21 @@
           <a:p>
             <a:r>
               <a:rPr lang="en-US" dirty="0" smtClean="0"/>
-              <a:t>Can be length, percentage</a:t>
-            </a:r>
-          </a:p>
-          <a:p>
-            <a:r>
-              <a:rPr lang="en-US" dirty="0" smtClean="0"/>
-              <a:t>Can be </a:t>
-            </a:r>
-            <a:r>
-              <a:rPr lang="en-US" dirty="0" smtClean="0"/>
-              <a:t>negative</a:t>
+              <a:t>Can </a:t>
+            </a:r>
+            <a:r>
+              <a:rPr lang="en-US" dirty="0" smtClean="0"/>
+              <a:t>be 0, </a:t>
+            </a:r>
+            <a:r>
+              <a:rPr lang="en-US" dirty="0" smtClean="0"/>
+              <a:t>length, percentage</a:t>
+            </a:r>
+          </a:p>
+          <a:p>
+            <a:r>
+              <a:rPr lang="en-US" dirty="0" smtClean="0"/>
+              <a:t>Can be negative</a:t>
             </a:r>
           </a:p>
           <a:p>
@@ -8950,14 +8889,7 @@
                 <a:latin typeface="Courier New"/>
                 <a:cs typeface="Courier New"/>
               </a:rPr>
-              <a:t>text</a:t>
-            </a:r>
-            <a:r>
-              <a:rPr lang="en-US" sz="2000" dirty="0" smtClean="0">
-                <a:latin typeface="Courier New"/>
-                <a:cs typeface="Courier New"/>
-              </a:rPr>
-              <a:t>-indent: 3em;</a:t>
+              <a:t>text-indent: 3em;</a:t>
             </a:r>
             <a:endParaRPr lang="en-US" sz="2000" dirty="0">
               <a:latin typeface="Courier New"/>
@@ -9143,14 +9075,7 @@
                 <a:latin typeface="Courier New"/>
                 <a:cs typeface="Courier New"/>
               </a:rPr>
-              <a:t>text</a:t>
-            </a:r>
-            <a:r>
-              <a:rPr lang="en-US" sz="2000" dirty="0" smtClean="0">
-                <a:latin typeface="Courier New"/>
-                <a:cs typeface="Courier New"/>
-              </a:rPr>
-              <a:t>-align: left;</a:t>
+              <a:t>text-align: left;</a:t>
             </a:r>
             <a:endParaRPr lang="en-US" sz="2000" dirty="0">
               <a:latin typeface="Courier New"/>
@@ -9345,14 +9270,7 @@
                 <a:latin typeface="Courier New"/>
                 <a:cs typeface="Courier New"/>
               </a:rPr>
-              <a:t>text</a:t>
-            </a:r>
-            <a:r>
-              <a:rPr lang="en-US" sz="2000" dirty="0" smtClean="0">
-                <a:latin typeface="Courier New"/>
-                <a:cs typeface="Courier New"/>
-              </a:rPr>
-              <a:t>-decoration: underline;</a:t>
+              <a:t>text-decoration: underline;</a:t>
             </a:r>
             <a:endParaRPr lang="en-US" sz="2000" dirty="0">
               <a:latin typeface="Courier New"/>
@@ -9535,14 +9453,7 @@
                 <a:latin typeface="Courier New"/>
                 <a:cs typeface="Courier New"/>
               </a:rPr>
-              <a:t>text</a:t>
-            </a:r>
-            <a:r>
-              <a:rPr lang="en-US" sz="2000" dirty="0" smtClean="0">
-                <a:latin typeface="Courier New"/>
-                <a:cs typeface="Courier New"/>
-              </a:rPr>
-              <a:t>-transform: uppercase;</a:t>
+              <a:t>text-transform: uppercase;</a:t>
             </a:r>
             <a:endParaRPr lang="en-US" sz="2000" dirty="0">
               <a:latin typeface="Courier New"/>
@@ -9708,7 +9619,11 @@
           <a:p>
             <a:r>
               <a:rPr lang="en-US" dirty="0" smtClean="0"/>
-              <a:t>Can be normal, </a:t>
+              <a:t>Can be </a:t>
+            </a:r>
+            <a:r>
+              <a:rPr lang="en-US" dirty="0" smtClean="0"/>
+              <a:t>0, </a:t>
             </a:r>
             <a:r>
               <a:rPr lang="en-US" dirty="0" smtClean="0"/>
@@ -9722,14 +9637,7 @@
                 <a:latin typeface="Courier New"/>
                 <a:cs typeface="Courier New"/>
               </a:rPr>
-              <a:t>letter</a:t>
-            </a:r>
-            <a:r>
-              <a:rPr lang="en-US" sz="2000" dirty="0" smtClean="0">
-                <a:latin typeface="Courier New"/>
-                <a:cs typeface="Courier New"/>
-              </a:rPr>
-              <a:t>-spacing: 2px;</a:t>
+              <a:t>letter-spacing: 2px;</a:t>
             </a:r>
             <a:endParaRPr lang="en-US" sz="2000" dirty="0">
               <a:latin typeface="Courier New"/>
@@ -9895,7 +9803,11 @@
           <a:p>
             <a:r>
               <a:rPr lang="en-US" dirty="0" smtClean="0"/>
-              <a:t>Can be normal, </a:t>
+              <a:t>Can be </a:t>
+            </a:r>
+            <a:r>
+              <a:rPr lang="en-US" dirty="0" smtClean="0"/>
+              <a:t>0, </a:t>
             </a:r>
             <a:r>
               <a:rPr lang="en-US" dirty="0" smtClean="0"/>
@@ -9909,14 +9821,7 @@
                 <a:latin typeface="Courier New"/>
                 <a:cs typeface="Courier New"/>
               </a:rPr>
-              <a:t>word</a:t>
-            </a:r>
-            <a:r>
-              <a:rPr lang="en-US" sz="2000" dirty="0" smtClean="0">
-                <a:latin typeface="Courier New"/>
-                <a:cs typeface="Courier New"/>
-              </a:rPr>
-              <a:t>-spacing: 1em;</a:t>
+              <a:t>word-spacing: 1em;</a:t>
             </a:r>
             <a:endParaRPr lang="en-US" sz="2000" dirty="0">
               <a:latin typeface="Courier New"/>
@@ -10355,11 +10260,7 @@
           <a:p>
             <a:r>
               <a:rPr lang="en-US" dirty="0" smtClean="0"/>
-              <a:t>Discuss </a:t>
-            </a:r>
-            <a:r>
-              <a:rPr lang="en-US" dirty="0" smtClean="0"/>
-              <a:t>"theme"</a:t>
+              <a:t>Discuss "theme"</a:t>
             </a:r>
             <a:endParaRPr lang="en-US" dirty="0"/>
           </a:p>
@@ -10909,11 +10810,7 @@
           <a:p>
             <a:r>
               <a:rPr lang="en-US" dirty="0" smtClean="0"/>
-              <a:t>Visual Metaphor</a:t>
-            </a:r>
-            <a:r>
-              <a:rPr lang="en-US" dirty="0" smtClean="0"/>
-              <a:t>: </a:t>
+              <a:t>Visual Metaphor: </a:t>
             </a:r>
             <a:r>
               <a:rPr lang="en-US" dirty="0" smtClean="0">
@@ -11094,7 +10991,6 @@
               <a:rPr lang="en-US" dirty="0"/>
               <a:t>your portfolio</a:t>
             </a:r>
-            <a:endParaRPr lang="en-US" dirty="0"/>
           </a:p>
         </p:txBody>
       </p:sp>
@@ -11231,7 +11127,7 @@
         <p:spPr/>
         <p:txBody>
           <a:bodyPr>
-            <a:normAutofit/>
+            <a:normAutofit fontScale="70000" lnSpcReduction="20000"/>
           </a:bodyPr>
           <a:lstStyle/>
           <a:p>
@@ -11243,7 +11139,116 @@
               <a:rPr lang="en-US" u="sng" dirty="0">
                 <a:hlinkClick r:id="rId3"/>
               </a:rPr>
-              <a:t>http://www.midwestvirtualtour.com/tours/target%20field/target%20field_target%20field%20rough2.html</a:t>
+              <a:t>http://www.midwestvirtualtour.com/tours/target%20field/target%20field_target%20field%20rough2.</a:t>
+            </a:r>
+            <a:r>
+              <a:rPr lang="en-US" u="sng" dirty="0" smtClean="0">
+                <a:hlinkClick r:id="rId3"/>
+              </a:rPr>
+              <a:t>html</a:t>
+            </a:r>
+            <a:endParaRPr lang="en-US" u="sng" dirty="0" smtClean="0"/>
+          </a:p>
+          <a:p>
+            <a:r>
+              <a:rPr lang="en-US" dirty="0" smtClean="0"/>
+              <a:t>Hannah - </a:t>
+            </a:r>
+            <a:r>
+              <a:rPr lang="en-US" u="sng" dirty="0">
+                <a:hlinkClick r:id="rId4"/>
+              </a:rPr>
+              <a:t>http://www.huffingtonpost.com</a:t>
+            </a:r>
+            <a:r>
+              <a:rPr lang="en-US" u="sng" dirty="0" smtClean="0">
+                <a:hlinkClick r:id="rId4"/>
+              </a:rPr>
+              <a:t>/</a:t>
+            </a:r>
+            <a:endParaRPr lang="en-US" u="sng" dirty="0" smtClean="0"/>
+          </a:p>
+          <a:p>
+            <a:r>
+              <a:rPr lang="en-US" dirty="0" err="1" smtClean="0"/>
+              <a:t>Kameron</a:t>
+            </a:r>
+            <a:r>
+              <a:rPr lang="en-US" dirty="0" smtClean="0"/>
+              <a:t> - </a:t>
+            </a:r>
+            <a:r>
+              <a:rPr lang="en-US" dirty="0">
+                <a:hlinkClick r:id="rId5"/>
+              </a:rPr>
+              <a:t>http://www.flickr.com/</a:t>
+            </a:r>
+            <a:endParaRPr lang="en-US" dirty="0" smtClean="0"/>
+          </a:p>
+          <a:p>
+            <a:r>
+              <a:rPr lang="en-US" dirty="0" smtClean="0"/>
+              <a:t>Kendra - </a:t>
+            </a:r>
+            <a:r>
+              <a:rPr lang="en-US" u="sng" dirty="0">
+                <a:hlinkClick r:id="rId6"/>
+              </a:rPr>
+              <a:t>http://www.nike.com/nikeos/p/nike/en_US/?ref</a:t>
+            </a:r>
+            <a:r>
+              <a:rPr lang="en-US" u="sng" dirty="0" smtClean="0">
+                <a:hlinkClick r:id="rId7"/>
+              </a:rPr>
+              <a:t>=</a:t>
+            </a:r>
+            <a:endParaRPr lang="en-US" u="sng" dirty="0" smtClean="0"/>
+          </a:p>
+          <a:p>
+            <a:r>
+              <a:rPr lang="en-US" dirty="0" smtClean="0"/>
+              <a:t>Sam - </a:t>
+            </a:r>
+            <a:r>
+              <a:rPr lang="en-US" u="sng" dirty="0">
+                <a:hlinkClick r:id="rId8"/>
+              </a:rPr>
+              <a:t>http://www.beachbody.com/product/fitness_programs/</a:t>
+            </a:r>
+            <a:r>
+              <a:rPr lang="en-US" u="sng" dirty="0" smtClean="0">
+                <a:hlinkClick r:id="rId8"/>
+              </a:rPr>
+              <a:t>p90x.do</a:t>
+            </a:r>
+            <a:endParaRPr lang="en-US" u="sng" dirty="0" smtClean="0"/>
+          </a:p>
+          <a:p>
+            <a:r>
+              <a:rPr lang="en-US" dirty="0" smtClean="0"/>
+              <a:t>Beth – </a:t>
+            </a:r>
+            <a:r>
+              <a:rPr lang="en-US" dirty="0" smtClean="0">
+                <a:hlinkClick r:id="rId9"/>
+              </a:rPr>
+              <a:t>http://www.jango.com</a:t>
+            </a:r>
+            <a:r>
+              <a:rPr lang="en-US" dirty="0" smtClean="0"/>
+              <a:t> </a:t>
+            </a:r>
+          </a:p>
+          <a:p>
+            <a:r>
+              <a:rPr lang="en-US" dirty="0" smtClean="0"/>
+              <a:t>Leah - </a:t>
+            </a:r>
+            <a:r>
+              <a:rPr lang="en-US" u="sng" dirty="0">
+                <a:hlinkClick r:id="rId10"/>
+              </a:rPr>
+              <a:t>http://www.theonion.com</a:t>
             </a:r>
             <a:endParaRPr lang="en-US" dirty="0" smtClean="0"/>
           </a:p>
@@ -11258,13 +11263,13 @@
             </a:r>
             <a:r>
               <a:rPr lang="en-US" dirty="0">
-                <a:hlinkClick r:id="rId4"/>
+                <a:hlinkClick r:id="rId11"/>
               </a:rPr>
               <a:t>http://thewildernessdowntown.com</a:t>
             </a:r>
             <a:r>
               <a:rPr lang="en-US" dirty="0" smtClean="0">
-                <a:hlinkClick r:id="rId4"/>
+                <a:hlinkClick r:id="rId11"/>
               </a:rPr>
               <a:t>/</a:t>
             </a:r>
@@ -11411,11 +11416,7 @@
           <a:p>
             <a:r>
               <a:rPr lang="en-US" dirty="0" smtClean="0"/>
-              <a:t>Lesson: </a:t>
-            </a:r>
-            <a:r>
-              <a:rPr lang="en-US" dirty="0" smtClean="0"/>
-              <a:t>CSS Colors</a:t>
+              <a:t>Lesson: CSS Colors</a:t>
             </a:r>
             <a:br>
               <a:rPr lang="en-US" dirty="0" smtClean="0"/>
